--- a/PancakeofMountHuang/Doc/Slides for first representation.pptx
+++ b/PancakeofMountHuang/Doc/Slides for first representation.pptx
@@ -7,6 +7,8 @@
   <p:sldIdLst>
     <p:sldId id="256" r:id="rId2"/>
     <p:sldId id="257" r:id="rId3"/>
+    <p:sldId id="258" r:id="rId4"/>
+    <p:sldId id="259" r:id="rId5"/>
   </p:sldIdLst>
   <p:sldSz cx="9144000" cy="6858000" type="screen4x3"/>
   <p:notesSz cx="6858000" cy="9144000"/>
@@ -275,7 +277,7 @@
           <a:p>
             <a:fld id="{ADD84430-9008-42FA-8A5F-932502CA5C81}" type="datetimeFigureOut">
               <a:rPr lang="zh-CN" altLang="en-US" smtClean="0"/>
-              <a:t>2017/10/25</a:t>
+              <a:t>2017/10/27</a:t>
             </a:fld>
             <a:endParaRPr lang="zh-CN" altLang="en-US"/>
           </a:p>
@@ -473,7 +475,7 @@
           <a:p>
             <a:fld id="{ADD84430-9008-42FA-8A5F-932502CA5C81}" type="datetimeFigureOut">
               <a:rPr lang="zh-CN" altLang="en-US" smtClean="0"/>
-              <a:t>2017/10/25</a:t>
+              <a:t>2017/10/27</a:t>
             </a:fld>
             <a:endParaRPr lang="zh-CN" altLang="en-US"/>
           </a:p>
@@ -681,7 +683,7 @@
           <a:p>
             <a:fld id="{ADD84430-9008-42FA-8A5F-932502CA5C81}" type="datetimeFigureOut">
               <a:rPr lang="zh-CN" altLang="en-US" smtClean="0"/>
-              <a:t>2017/10/25</a:t>
+              <a:t>2017/10/27</a:t>
             </a:fld>
             <a:endParaRPr lang="zh-CN" altLang="en-US"/>
           </a:p>
@@ -879,7 +881,7 @@
           <a:p>
             <a:fld id="{ADD84430-9008-42FA-8A5F-932502CA5C81}" type="datetimeFigureOut">
               <a:rPr lang="zh-CN" altLang="en-US" smtClean="0"/>
-              <a:t>2017/10/25</a:t>
+              <a:t>2017/10/27</a:t>
             </a:fld>
             <a:endParaRPr lang="zh-CN" altLang="en-US"/>
           </a:p>
@@ -1154,7 +1156,7 @@
           <a:p>
             <a:fld id="{ADD84430-9008-42FA-8A5F-932502CA5C81}" type="datetimeFigureOut">
               <a:rPr lang="zh-CN" altLang="en-US" smtClean="0"/>
-              <a:t>2017/10/25</a:t>
+              <a:t>2017/10/27</a:t>
             </a:fld>
             <a:endParaRPr lang="zh-CN" altLang="en-US"/>
           </a:p>
@@ -1419,7 +1421,7 @@
           <a:p>
             <a:fld id="{ADD84430-9008-42FA-8A5F-932502CA5C81}" type="datetimeFigureOut">
               <a:rPr lang="zh-CN" altLang="en-US" smtClean="0"/>
-              <a:t>2017/10/25</a:t>
+              <a:t>2017/10/27</a:t>
             </a:fld>
             <a:endParaRPr lang="zh-CN" altLang="en-US"/>
           </a:p>
@@ -1831,7 +1833,7 @@
           <a:p>
             <a:fld id="{ADD84430-9008-42FA-8A5F-932502CA5C81}" type="datetimeFigureOut">
               <a:rPr lang="zh-CN" altLang="en-US" smtClean="0"/>
-              <a:t>2017/10/25</a:t>
+              <a:t>2017/10/27</a:t>
             </a:fld>
             <a:endParaRPr lang="zh-CN" altLang="en-US"/>
           </a:p>
@@ -1972,7 +1974,7 @@
           <a:p>
             <a:fld id="{ADD84430-9008-42FA-8A5F-932502CA5C81}" type="datetimeFigureOut">
               <a:rPr lang="zh-CN" altLang="en-US" smtClean="0"/>
-              <a:t>2017/10/25</a:t>
+              <a:t>2017/10/27</a:t>
             </a:fld>
             <a:endParaRPr lang="zh-CN" altLang="en-US"/>
           </a:p>
@@ -2085,7 +2087,7 @@
           <a:p>
             <a:fld id="{ADD84430-9008-42FA-8A5F-932502CA5C81}" type="datetimeFigureOut">
               <a:rPr lang="zh-CN" altLang="en-US" smtClean="0"/>
-              <a:t>2017/10/25</a:t>
+              <a:t>2017/10/27</a:t>
             </a:fld>
             <a:endParaRPr lang="zh-CN" altLang="en-US"/>
           </a:p>
@@ -2396,7 +2398,7 @@
           <a:p>
             <a:fld id="{ADD84430-9008-42FA-8A5F-932502CA5C81}" type="datetimeFigureOut">
               <a:rPr lang="zh-CN" altLang="en-US" smtClean="0"/>
-              <a:t>2017/10/25</a:t>
+              <a:t>2017/10/27</a:t>
             </a:fld>
             <a:endParaRPr lang="zh-CN" altLang="en-US"/>
           </a:p>
@@ -2684,7 +2686,7 @@
           <a:p>
             <a:fld id="{ADD84430-9008-42FA-8A5F-932502CA5C81}" type="datetimeFigureOut">
               <a:rPr lang="zh-CN" altLang="en-US" smtClean="0"/>
-              <a:t>2017/10/25</a:t>
+              <a:t>2017/10/27</a:t>
             </a:fld>
             <a:endParaRPr lang="zh-CN" altLang="en-US"/>
           </a:p>
@@ -2925,7 +2927,7 @@
           <a:p>
             <a:fld id="{ADD84430-9008-42FA-8A5F-932502CA5C81}" type="datetimeFigureOut">
               <a:rPr lang="zh-CN" altLang="en-US" smtClean="0"/>
-              <a:t>2017/10/25</a:t>
+              <a:t>2017/10/27</a:t>
             </a:fld>
             <a:endParaRPr lang="zh-CN" altLang="en-US"/>
           </a:p>
@@ -3364,10 +3366,29 @@
           <a:lstStyle/>
           <a:p>
             <a:r>
-              <a:rPr lang="en-US" altLang="zh-CN" dirty="0"/>
+              <a:rPr lang="en-US" altLang="zh-CN" dirty="0">
+                <a:latin typeface="Microsoft YaHei UI Light" panose="020B0502040204020203" pitchFamily="34" charset="-122"/>
+                <a:ea typeface="Microsoft YaHei UI Light" panose="020B0502040204020203" pitchFamily="34" charset="-122"/>
+              </a:rPr>
               <a:t>Project  Dawn</a:t>
             </a:r>
-            <a:endParaRPr lang="zh-CN" altLang="en-US" dirty="0"/>
+            <a:br>
+              <a:rPr lang="en-US" altLang="zh-CN" dirty="0">
+                <a:latin typeface="Microsoft YaHei UI Light" panose="020B0502040204020203" pitchFamily="34" charset="-122"/>
+                <a:ea typeface="Microsoft YaHei UI Light" panose="020B0502040204020203" pitchFamily="34" charset="-122"/>
+              </a:rPr>
+            </a:br>
+            <a:r>
+              <a:rPr lang="en-US" altLang="zh-CN" sz="2400" dirty="0">
+                <a:latin typeface="Microsoft YaHei UI Light" panose="020B0502040204020203" pitchFamily="34" charset="-122"/>
+                <a:ea typeface="Microsoft YaHei UI Light" panose="020B0502040204020203" pitchFamily="34" charset="-122"/>
+              </a:rPr>
+              <a:t>Pancake of Mount Huang</a:t>
+            </a:r>
+            <a:endParaRPr lang="zh-CN" altLang="en-US" dirty="0">
+              <a:latin typeface="Microsoft YaHei UI Light" panose="020B0502040204020203" pitchFamily="34" charset="-122"/>
+              <a:ea typeface="Microsoft YaHei UI Light" panose="020B0502040204020203" pitchFamily="34" charset="-122"/>
+            </a:endParaRPr>
           </a:p>
         </p:txBody>
       </p:sp>
@@ -3395,10 +3416,16 @@
           <a:lstStyle/>
           <a:p>
             <a:r>
-              <a:rPr lang="en-US" altLang="zh-CN" dirty="0"/>
+              <a:rPr lang="en-US" altLang="zh-CN" dirty="0">
+                <a:latin typeface="Microsoft YaHei UI Light" panose="020B0502040204020203" pitchFamily="34" charset="-122"/>
+                <a:ea typeface="Microsoft YaHei UI Light" panose="020B0502040204020203" pitchFamily="34" charset="-122"/>
+              </a:rPr>
               <a:t>A full-stack data process solution.</a:t>
             </a:r>
-            <a:endParaRPr lang="zh-CN" altLang="en-US" dirty="0"/>
+            <a:endParaRPr lang="zh-CN" altLang="en-US" dirty="0">
+              <a:latin typeface="Microsoft YaHei UI Light" panose="020B0502040204020203" pitchFamily="34" charset="-122"/>
+              <a:ea typeface="Microsoft YaHei UI Light" panose="020B0502040204020203" pitchFamily="34" charset="-122"/>
+            </a:endParaRPr>
           </a:p>
         </p:txBody>
       </p:sp>
@@ -3432,10 +3459,538 @@
           <a:chExt cx="0" cy="0"/>
         </a:xfrm>
       </p:grpSpPr>
+      <p:sp>
+        <p:nvSpPr>
+          <p:cNvPr id="3" name="文本框 2">
+            <a:extLst>
+              <a:ext uri="{FF2B5EF4-FFF2-40B4-BE49-F238E27FC236}">
+                <a16:creationId xmlns:a16="http://schemas.microsoft.com/office/drawing/2014/main" id="{A57C83A9-6AE0-4336-89C3-F4D26F17FDEA}"/>
+              </a:ext>
+            </a:extLst>
+          </p:cNvPr>
+          <p:cNvSpPr txBox="1"/>
+          <p:nvPr/>
+        </p:nvSpPr>
+        <p:spPr>
+          <a:xfrm>
+            <a:off x="426720" y="537556"/>
+            <a:ext cx="8667404" cy="523220"/>
+          </a:xfrm>
+          <a:prstGeom prst="rect">
+            <a:avLst/>
+          </a:prstGeom>
+          <a:noFill/>
+        </p:spPr>
+        <p:txBody>
+          <a:bodyPr wrap="square" rtlCol="0">
+            <a:spAutoFit/>
+          </a:bodyPr>
+          <a:lstStyle/>
+          <a:p>
+            <a:r>
+              <a:rPr lang="en-US" sz="2800" dirty="0">
+                <a:latin typeface="Microsoft YaHei UI Light" panose="020B0502040204020203" pitchFamily="34" charset="-122"/>
+                <a:ea typeface="Microsoft YaHei UI Light" panose="020B0502040204020203" pitchFamily="34" charset="-122"/>
+              </a:rPr>
+              <a:t>Problem Domain</a:t>
+            </a:r>
+          </a:p>
+        </p:txBody>
+      </p:sp>
+      <p:sp>
+        <p:nvSpPr>
+          <p:cNvPr id="4" name="文本框 3">
+            <a:extLst>
+              <a:ext uri="{FF2B5EF4-FFF2-40B4-BE49-F238E27FC236}">
+                <a16:creationId xmlns:a16="http://schemas.microsoft.com/office/drawing/2014/main" id="{2F5B5E38-545C-4D6C-8AAF-A06FA23C8664}"/>
+              </a:ext>
+            </a:extLst>
+          </p:cNvPr>
+          <p:cNvSpPr txBox="1"/>
+          <p:nvPr/>
+        </p:nvSpPr>
+        <p:spPr>
+          <a:xfrm>
+            <a:off x="537556" y="1645921"/>
+            <a:ext cx="7991302" cy="4278094"/>
+          </a:xfrm>
+          <a:prstGeom prst="rect">
+            <a:avLst/>
+          </a:prstGeom>
+          <a:noFill/>
+        </p:spPr>
+        <p:txBody>
+          <a:bodyPr wrap="square" rtlCol="0">
+            <a:spAutoFit/>
+          </a:bodyPr>
+          <a:lstStyle/>
+          <a:p>
+            <a:pPr marL="285750" indent="-285750">
+              <a:buFont typeface="Arial" panose="020B0604020202020204" pitchFamily="34" charset="0"/>
+              <a:buChar char="•"/>
+            </a:pPr>
+            <a:r>
+              <a:rPr lang="en-US" b="1" dirty="0">
+                <a:latin typeface="Microsoft YaHei UI Light" panose="020B0502040204020203" pitchFamily="34" charset="-122"/>
+                <a:ea typeface="Microsoft YaHei UI Light" panose="020B0502040204020203" pitchFamily="34" charset="-122"/>
+              </a:rPr>
+              <a:t>Data Preprocess</a:t>
+            </a:r>
+          </a:p>
+          <a:p>
+            <a:r>
+              <a:rPr lang="en-US" dirty="0">
+                <a:latin typeface="Microsoft YaHei UI Light" panose="020B0502040204020203" pitchFamily="34" charset="-122"/>
+                <a:ea typeface="Microsoft YaHei UI Light" panose="020B0502040204020203" pitchFamily="34" charset="-122"/>
+              </a:rPr>
+              <a:t>	To process complex data and data types.</a:t>
+            </a:r>
+          </a:p>
+          <a:p>
+            <a:r>
+              <a:rPr lang="en-US" dirty="0">
+                <a:latin typeface="Microsoft YaHei UI Light" panose="020B0502040204020203" pitchFamily="34" charset="-122"/>
+                <a:ea typeface="Microsoft YaHei UI Light" panose="020B0502040204020203" pitchFamily="34" charset="-122"/>
+              </a:rPr>
+              <a:t>	Easy to use.</a:t>
+            </a:r>
+          </a:p>
+          <a:p>
+            <a:pPr>
+              <a:spcAft>
+                <a:spcPts val="600"/>
+              </a:spcAft>
+            </a:pPr>
+            <a:r>
+              <a:rPr lang="en-US" dirty="0">
+                <a:latin typeface="Microsoft YaHei UI Light" panose="020B0502040204020203" pitchFamily="34" charset="-122"/>
+                <a:ea typeface="Microsoft YaHei UI Light" panose="020B0502040204020203" pitchFamily="34" charset="-122"/>
+              </a:rPr>
+              <a:t>	Robust.</a:t>
+            </a:r>
+          </a:p>
+          <a:p>
+            <a:pPr>
+              <a:spcAft>
+                <a:spcPts val="600"/>
+              </a:spcAft>
+            </a:pPr>
+            <a:endParaRPr lang="en-US" dirty="0">
+              <a:latin typeface="Microsoft YaHei UI Light" panose="020B0502040204020203" pitchFamily="34" charset="-122"/>
+              <a:ea typeface="Microsoft YaHei UI Light" panose="020B0502040204020203" pitchFamily="34" charset="-122"/>
+            </a:endParaRPr>
+          </a:p>
+          <a:p>
+            <a:pPr marL="285750" indent="-285750">
+              <a:buFont typeface="Arial" panose="020B0604020202020204" pitchFamily="34" charset="0"/>
+              <a:buChar char="•"/>
+            </a:pPr>
+            <a:r>
+              <a:rPr lang="en-US" b="1" dirty="0">
+                <a:latin typeface="Microsoft YaHei UI Light" panose="020B0502040204020203" pitchFamily="34" charset="-122"/>
+                <a:ea typeface="Microsoft YaHei UI Light" panose="020B0502040204020203" pitchFamily="34" charset="-122"/>
+              </a:rPr>
+              <a:t>Process Schedule</a:t>
+            </a:r>
+          </a:p>
+          <a:p>
+            <a:r>
+              <a:rPr lang="en-US" dirty="0">
+                <a:latin typeface="Microsoft YaHei UI Light" panose="020B0502040204020203" pitchFamily="34" charset="-122"/>
+                <a:ea typeface="Microsoft YaHei UI Light" panose="020B0502040204020203" pitchFamily="34" charset="-122"/>
+              </a:rPr>
+              <a:t>	Multi-user and multi-task in Web APP.</a:t>
+            </a:r>
+          </a:p>
+          <a:p>
+            <a:pPr>
+              <a:spcAft>
+                <a:spcPts val="600"/>
+              </a:spcAft>
+            </a:pPr>
+            <a:r>
+              <a:rPr lang="en-US" dirty="0">
+                <a:latin typeface="Microsoft YaHei UI Light" panose="020B0502040204020203" pitchFamily="34" charset="-122"/>
+                <a:ea typeface="Microsoft YaHei UI Light" panose="020B0502040204020203" pitchFamily="34" charset="-122"/>
+              </a:rPr>
+              <a:t>	</a:t>
+            </a:r>
+            <a:r>
+              <a:rPr lang="en-US" altLang="zh-CN" dirty="0">
+                <a:latin typeface="Microsoft YaHei UI Light" panose="020B0502040204020203" pitchFamily="34" charset="-122"/>
+                <a:ea typeface="Microsoft YaHei UI Light" panose="020B0502040204020203" pitchFamily="34" charset="-122"/>
+              </a:rPr>
+              <a:t>Heavy Consumption </a:t>
+            </a:r>
+            <a:r>
+              <a:rPr lang="en-US" dirty="0">
+                <a:latin typeface="Microsoft YaHei UI Light" panose="020B0502040204020203" pitchFamily="34" charset="-122"/>
+                <a:ea typeface="Microsoft YaHei UI Light" panose="020B0502040204020203" pitchFamily="34" charset="-122"/>
+              </a:rPr>
+              <a:t>in every single unit of process.</a:t>
+            </a:r>
+          </a:p>
+          <a:p>
+            <a:pPr>
+              <a:spcAft>
+                <a:spcPts val="600"/>
+              </a:spcAft>
+            </a:pPr>
+            <a:endParaRPr lang="en-US" dirty="0">
+              <a:latin typeface="Microsoft YaHei UI Light" panose="020B0502040204020203" pitchFamily="34" charset="-122"/>
+              <a:ea typeface="Microsoft YaHei UI Light" panose="020B0502040204020203" pitchFamily="34" charset="-122"/>
+            </a:endParaRPr>
+          </a:p>
+          <a:p>
+            <a:pPr marL="285750" indent="-285750">
+              <a:buFont typeface="Arial" panose="020B0604020202020204" pitchFamily="34" charset="0"/>
+              <a:buChar char="•"/>
+            </a:pPr>
+            <a:r>
+              <a:rPr lang="en-US" altLang="zh-CN" b="1" dirty="0">
+                <a:latin typeface="Microsoft YaHei UI Light" panose="020B0502040204020203" pitchFamily="34" charset="-122"/>
+                <a:ea typeface="Microsoft YaHei UI Light" panose="020B0502040204020203" pitchFamily="34" charset="-122"/>
+              </a:rPr>
+              <a:t>Extendibility</a:t>
+            </a:r>
+          </a:p>
+          <a:p>
+            <a:r>
+              <a:rPr lang="en-US" dirty="0">
+                <a:latin typeface="Microsoft YaHei UI Light" panose="020B0502040204020203" pitchFamily="34" charset="-122"/>
+                <a:ea typeface="Microsoft YaHei UI Light" panose="020B0502040204020203" pitchFamily="34" charset="-122"/>
+              </a:rPr>
+              <a:t>	PMH is One of the components of the whole project.</a:t>
+            </a:r>
+          </a:p>
+          <a:p>
+            <a:r>
+              <a:rPr lang="en-US" dirty="0">
+                <a:latin typeface="Microsoft YaHei UI Light" panose="020B0502040204020203" pitchFamily="34" charset="-122"/>
+                <a:ea typeface="Microsoft YaHei UI Light" panose="020B0502040204020203" pitchFamily="34" charset="-122"/>
+              </a:rPr>
+              <a:t>	Algorithms requirements can never be stopped.</a:t>
+            </a:r>
+          </a:p>
+          <a:p>
+            <a:r>
+              <a:rPr lang="en-US" dirty="0">
+                <a:latin typeface="Microsoft YaHei UI Light" panose="020B0502040204020203" pitchFamily="34" charset="-122"/>
+                <a:ea typeface="Microsoft YaHei UI Light" panose="020B0502040204020203" pitchFamily="34" charset="-122"/>
+              </a:rPr>
+              <a:t>	Data source is various.</a:t>
+            </a:r>
+          </a:p>
+          <a:p>
+            <a:endParaRPr lang="en-US" dirty="0">
+              <a:latin typeface="Microsoft YaHei UI Light" panose="020B0502040204020203" pitchFamily="34" charset="-122"/>
+              <a:ea typeface="Microsoft YaHei UI Light" panose="020B0502040204020203" pitchFamily="34" charset="-122"/>
+            </a:endParaRPr>
+          </a:p>
+        </p:txBody>
+      </p:sp>
     </p:spTree>
     <p:extLst>
       <p:ext uri="{BB962C8B-B14F-4D97-AF65-F5344CB8AC3E}">
         <p14:creationId xmlns:p14="http://schemas.microsoft.com/office/powerpoint/2010/main" val="152934724"/>
+      </p:ext>
+    </p:extLst>
+  </p:cSld>
+  <p:clrMapOvr>
+    <a:masterClrMapping/>
+  </p:clrMapOvr>
+</p:sld>
+</file>
+
+<file path=ppt/slides/slide3.xml><?xml version="1.0" encoding="utf-8"?>
+<p:sld xmlns:a="http://schemas.openxmlformats.org/drawingml/2006/main" xmlns:r="http://schemas.openxmlformats.org/officeDocument/2006/relationships" xmlns:p="http://schemas.openxmlformats.org/presentationml/2006/main">
+  <p:cSld>
+    <p:spTree>
+      <p:nvGrpSpPr>
+        <p:cNvPr id="1" name=""/>
+        <p:cNvGrpSpPr/>
+        <p:nvPr/>
+      </p:nvGrpSpPr>
+      <p:grpSpPr>
+        <a:xfrm>
+          <a:off x="0" y="0"/>
+          <a:ext cx="0" cy="0"/>
+          <a:chOff x="0" y="0"/>
+          <a:chExt cx="0" cy="0"/>
+        </a:xfrm>
+      </p:grpSpPr>
+      <p:sp>
+        <p:nvSpPr>
+          <p:cNvPr id="3" name="文本框 2">
+            <a:extLst>
+              <a:ext uri="{FF2B5EF4-FFF2-40B4-BE49-F238E27FC236}">
+                <a16:creationId xmlns:a16="http://schemas.microsoft.com/office/drawing/2014/main" id="{A57C83A9-6AE0-4336-89C3-F4D26F17FDEA}"/>
+              </a:ext>
+            </a:extLst>
+          </p:cNvPr>
+          <p:cNvSpPr txBox="1"/>
+          <p:nvPr/>
+        </p:nvSpPr>
+        <p:spPr>
+          <a:xfrm>
+            <a:off x="426720" y="537556"/>
+            <a:ext cx="8667404" cy="523220"/>
+          </a:xfrm>
+          <a:prstGeom prst="rect">
+            <a:avLst/>
+          </a:prstGeom>
+          <a:noFill/>
+        </p:spPr>
+        <p:txBody>
+          <a:bodyPr wrap="square" rtlCol="0">
+            <a:spAutoFit/>
+          </a:bodyPr>
+          <a:lstStyle/>
+          <a:p>
+            <a:r>
+              <a:rPr lang="en-US" sz="2800" dirty="0">
+                <a:latin typeface="Microsoft YaHei UI Light" panose="020B0502040204020203" pitchFamily="34" charset="-122"/>
+                <a:ea typeface="Microsoft YaHei UI Light" panose="020B0502040204020203" pitchFamily="34" charset="-122"/>
+              </a:rPr>
+              <a:t>Project Management</a:t>
+            </a:r>
+          </a:p>
+        </p:txBody>
+      </p:sp>
+      <p:sp>
+        <p:nvSpPr>
+          <p:cNvPr id="4" name="文本框 3">
+            <a:extLst>
+              <a:ext uri="{FF2B5EF4-FFF2-40B4-BE49-F238E27FC236}">
+                <a16:creationId xmlns:a16="http://schemas.microsoft.com/office/drawing/2014/main" id="{2F5B5E38-545C-4D6C-8AAF-A06FA23C8664}"/>
+              </a:ext>
+            </a:extLst>
+          </p:cNvPr>
+          <p:cNvSpPr txBox="1"/>
+          <p:nvPr/>
+        </p:nvSpPr>
+        <p:spPr>
+          <a:xfrm>
+            <a:off x="537556" y="1645921"/>
+            <a:ext cx="7991302" cy="2308324"/>
+          </a:xfrm>
+          <a:prstGeom prst="rect">
+            <a:avLst/>
+          </a:prstGeom>
+          <a:noFill/>
+        </p:spPr>
+        <p:txBody>
+          <a:bodyPr wrap="square" rtlCol="0">
+            <a:spAutoFit/>
+          </a:bodyPr>
+          <a:lstStyle/>
+          <a:p>
+            <a:pPr marL="285750" indent="-285750">
+              <a:buFont typeface="Arial" panose="020B0604020202020204" pitchFamily="34" charset="0"/>
+              <a:buChar char="•"/>
+            </a:pPr>
+            <a:r>
+              <a:rPr lang="en-US" b="1" dirty="0">
+                <a:latin typeface="Microsoft YaHei UI Light" panose="020B0502040204020203" pitchFamily="34" charset="-122"/>
+                <a:ea typeface="Microsoft YaHei UI Light" panose="020B0502040204020203" pitchFamily="34" charset="-122"/>
+              </a:rPr>
+              <a:t>Schedule Management</a:t>
+            </a:r>
+          </a:p>
+          <a:p>
+            <a:endParaRPr lang="en-US" altLang="zh-CN" b="1" dirty="0">
+              <a:latin typeface="Microsoft YaHei UI Light" panose="020B0502040204020203" pitchFamily="34" charset="-122"/>
+              <a:ea typeface="Microsoft YaHei UI Light" panose="020B0502040204020203" pitchFamily="34" charset="-122"/>
+            </a:endParaRPr>
+          </a:p>
+          <a:p>
+            <a:pPr marL="285750" indent="-285750">
+              <a:buFont typeface="Arial" panose="020B0604020202020204" pitchFamily="34" charset="0"/>
+              <a:buChar char="•"/>
+            </a:pPr>
+            <a:r>
+              <a:rPr lang="en-US" altLang="zh-CN" b="1" dirty="0">
+                <a:latin typeface="Microsoft YaHei UI Light" panose="020B0502040204020203" pitchFamily="34" charset="-122"/>
+                <a:ea typeface="Microsoft YaHei UI Light" panose="020B0502040204020203" pitchFamily="34" charset="-122"/>
+              </a:rPr>
+              <a:t>Version Control &amp; Team Corporation</a:t>
+            </a:r>
+          </a:p>
+          <a:p>
+            <a:pPr marL="285750" indent="-285750">
+              <a:buFont typeface="Arial" panose="020B0604020202020204" pitchFamily="34" charset="0"/>
+              <a:buChar char="•"/>
+            </a:pPr>
+            <a:endParaRPr lang="en-US" altLang="zh-CN" b="1" dirty="0">
+              <a:latin typeface="Microsoft YaHei UI Light" panose="020B0502040204020203" pitchFamily="34" charset="-122"/>
+              <a:ea typeface="Microsoft YaHei UI Light" panose="020B0502040204020203" pitchFamily="34" charset="-122"/>
+            </a:endParaRPr>
+          </a:p>
+          <a:p>
+            <a:endParaRPr lang="en-US" altLang="zh-CN" b="1" dirty="0">
+              <a:latin typeface="Microsoft YaHei UI Light" panose="020B0502040204020203" pitchFamily="34" charset="-122"/>
+              <a:ea typeface="Microsoft YaHei UI Light" panose="020B0502040204020203" pitchFamily="34" charset="-122"/>
+            </a:endParaRPr>
+          </a:p>
+          <a:p>
+            <a:pPr marL="285750" indent="-285750">
+              <a:buFont typeface="Arial" panose="020B0604020202020204" pitchFamily="34" charset="0"/>
+              <a:buChar char="•"/>
+            </a:pPr>
+            <a:r>
+              <a:rPr lang="en-US" b="1" dirty="0">
+                <a:latin typeface="Microsoft YaHei UI Light" panose="020B0502040204020203" pitchFamily="34" charset="-122"/>
+                <a:ea typeface="Microsoft YaHei UI Light" panose="020B0502040204020203" pitchFamily="34" charset="-122"/>
+              </a:rPr>
+              <a:t>Quality Assurance</a:t>
+            </a:r>
+          </a:p>
+          <a:p>
+            <a:pPr marL="285750" indent="-285750">
+              <a:buFont typeface="Arial" panose="020B0604020202020204" pitchFamily="34" charset="0"/>
+              <a:buChar char="•"/>
+            </a:pPr>
+            <a:endParaRPr lang="en-US" b="1" dirty="0">
+              <a:latin typeface="Microsoft YaHei UI Light" panose="020B0502040204020203" pitchFamily="34" charset="-122"/>
+              <a:ea typeface="Microsoft YaHei UI Light" panose="020B0502040204020203" pitchFamily="34" charset="-122"/>
+            </a:endParaRPr>
+          </a:p>
+          <a:p>
+            <a:pPr marL="285750" indent="-285750">
+              <a:buFont typeface="Arial" panose="020B0604020202020204" pitchFamily="34" charset="0"/>
+              <a:buChar char="•"/>
+            </a:pPr>
+            <a:endParaRPr lang="en-US" dirty="0">
+              <a:latin typeface="Microsoft YaHei UI Light" panose="020B0502040204020203" pitchFamily="34" charset="-122"/>
+              <a:ea typeface="Microsoft YaHei UI Light" panose="020B0502040204020203" pitchFamily="34" charset="-122"/>
+            </a:endParaRPr>
+          </a:p>
+        </p:txBody>
+      </p:sp>
+    </p:spTree>
+    <p:extLst>
+      <p:ext uri="{BB962C8B-B14F-4D97-AF65-F5344CB8AC3E}">
+        <p14:creationId xmlns:p14="http://schemas.microsoft.com/office/powerpoint/2010/main" val="1516901111"/>
+      </p:ext>
+    </p:extLst>
+  </p:cSld>
+  <p:clrMapOvr>
+    <a:masterClrMapping/>
+  </p:clrMapOvr>
+</p:sld>
+</file>
+
+<file path=ppt/slides/slide4.xml><?xml version="1.0" encoding="utf-8"?>
+<p:sld xmlns:a="http://schemas.openxmlformats.org/drawingml/2006/main" xmlns:r="http://schemas.openxmlformats.org/officeDocument/2006/relationships" xmlns:p="http://schemas.openxmlformats.org/presentationml/2006/main">
+  <p:cSld>
+    <p:spTree>
+      <p:nvGrpSpPr>
+        <p:cNvPr id="1" name=""/>
+        <p:cNvGrpSpPr/>
+        <p:nvPr/>
+      </p:nvGrpSpPr>
+      <p:grpSpPr>
+        <a:xfrm>
+          <a:off x="0" y="0"/>
+          <a:ext cx="0" cy="0"/>
+          <a:chOff x="0" y="0"/>
+          <a:chExt cx="0" cy="0"/>
+        </a:xfrm>
+      </p:grpSpPr>
+      <p:sp>
+        <p:nvSpPr>
+          <p:cNvPr id="3" name="文本框 2">
+            <a:extLst>
+              <a:ext uri="{FF2B5EF4-FFF2-40B4-BE49-F238E27FC236}">
+                <a16:creationId xmlns:a16="http://schemas.microsoft.com/office/drawing/2014/main" id="{A57C83A9-6AE0-4336-89C3-F4D26F17FDEA}"/>
+              </a:ext>
+            </a:extLst>
+          </p:cNvPr>
+          <p:cNvSpPr txBox="1"/>
+          <p:nvPr/>
+        </p:nvSpPr>
+        <p:spPr>
+          <a:xfrm>
+            <a:off x="426720" y="537556"/>
+            <a:ext cx="8667404" cy="523220"/>
+          </a:xfrm>
+          <a:prstGeom prst="rect">
+            <a:avLst/>
+          </a:prstGeom>
+          <a:noFill/>
+        </p:spPr>
+        <p:txBody>
+          <a:bodyPr wrap="square" rtlCol="0">
+            <a:spAutoFit/>
+          </a:bodyPr>
+          <a:lstStyle/>
+          <a:p>
+            <a:r>
+              <a:rPr lang="en-US" sz="2800" dirty="0">
+                <a:latin typeface="Microsoft YaHei UI Light" panose="020B0502040204020203" pitchFamily="34" charset="-122"/>
+                <a:ea typeface="Microsoft YaHei UI Light" panose="020B0502040204020203" pitchFamily="34" charset="-122"/>
+              </a:rPr>
+              <a:t>Techniques Details</a:t>
+            </a:r>
+          </a:p>
+        </p:txBody>
+      </p:sp>
+      <p:sp>
+        <p:nvSpPr>
+          <p:cNvPr id="4" name="文本框 3">
+            <a:extLst>
+              <a:ext uri="{FF2B5EF4-FFF2-40B4-BE49-F238E27FC236}">
+                <a16:creationId xmlns:a16="http://schemas.microsoft.com/office/drawing/2014/main" id="{2F5B5E38-545C-4D6C-8AAF-A06FA23C8664}"/>
+              </a:ext>
+            </a:extLst>
+          </p:cNvPr>
+          <p:cNvSpPr txBox="1"/>
+          <p:nvPr/>
+        </p:nvSpPr>
+        <p:spPr>
+          <a:xfrm>
+            <a:off x="537556" y="1645921"/>
+            <a:ext cx="7991302" cy="646331"/>
+          </a:xfrm>
+          <a:prstGeom prst="rect">
+            <a:avLst/>
+          </a:prstGeom>
+          <a:noFill/>
+        </p:spPr>
+        <p:txBody>
+          <a:bodyPr wrap="square" rtlCol="0">
+            <a:spAutoFit/>
+          </a:bodyPr>
+          <a:lstStyle/>
+          <a:p>
+            <a:pPr marL="285750" indent="-285750">
+              <a:buFont typeface="Arial" panose="020B0604020202020204" pitchFamily="34" charset="0"/>
+              <a:buChar char="•"/>
+            </a:pPr>
+            <a:r>
+              <a:rPr lang="en-US" b="1">
+                <a:latin typeface="Microsoft YaHei UI Light" panose="020B0502040204020203" pitchFamily="34" charset="-122"/>
+                <a:ea typeface="Microsoft YaHei UI Light" panose="020B0502040204020203" pitchFamily="34" charset="-122"/>
+              </a:rPr>
+              <a:t>Spring</a:t>
+            </a:r>
+            <a:endParaRPr lang="en-US" dirty="0">
+              <a:latin typeface="Microsoft YaHei UI Light" panose="020B0502040204020203" pitchFamily="34" charset="-122"/>
+              <a:ea typeface="Microsoft YaHei UI Light" panose="020B0502040204020203" pitchFamily="34" charset="-122"/>
+            </a:endParaRPr>
+          </a:p>
+          <a:p>
+            <a:endParaRPr lang="en-US" dirty="0">
+              <a:latin typeface="Microsoft YaHei UI Light" panose="020B0502040204020203" pitchFamily="34" charset="-122"/>
+              <a:ea typeface="Microsoft YaHei UI Light" panose="020B0502040204020203" pitchFamily="34" charset="-122"/>
+            </a:endParaRPr>
+          </a:p>
+        </p:txBody>
+      </p:sp>
+    </p:spTree>
+    <p:extLst>
+      <p:ext uri="{BB962C8B-B14F-4D97-AF65-F5344CB8AC3E}">
+        <p14:creationId xmlns:p14="http://schemas.microsoft.com/office/powerpoint/2010/main" val="3060681589"/>
       </p:ext>
     </p:extLst>
   </p:cSld>

--- a/PancakeofMountHuang/Doc/Slides for first representation.pptx
+++ b/PancakeofMountHuang/Doc/Slides for first representation.pptx
@@ -9,6 +9,8 @@
     <p:sldId id="257" r:id="rId3"/>
     <p:sldId id="258" r:id="rId4"/>
     <p:sldId id="259" r:id="rId5"/>
+    <p:sldId id="260" r:id="rId6"/>
+    <p:sldId id="261" r:id="rId7"/>
   </p:sldIdLst>
   <p:sldSz cx="9144000" cy="6858000" type="screen4x3"/>
   <p:notesSz cx="6858000" cy="9144000"/>
@@ -277,7 +279,7 @@
           <a:p>
             <a:fld id="{ADD84430-9008-42FA-8A5F-932502CA5C81}" type="datetimeFigureOut">
               <a:rPr lang="zh-CN" altLang="en-US" smtClean="0"/>
-              <a:t>2017/10/27</a:t>
+              <a:t>2017/10/29</a:t>
             </a:fld>
             <a:endParaRPr lang="zh-CN" altLang="en-US"/>
           </a:p>
@@ -475,7 +477,7 @@
           <a:p>
             <a:fld id="{ADD84430-9008-42FA-8A5F-932502CA5C81}" type="datetimeFigureOut">
               <a:rPr lang="zh-CN" altLang="en-US" smtClean="0"/>
-              <a:t>2017/10/27</a:t>
+              <a:t>2017/10/29</a:t>
             </a:fld>
             <a:endParaRPr lang="zh-CN" altLang="en-US"/>
           </a:p>
@@ -683,7 +685,7 @@
           <a:p>
             <a:fld id="{ADD84430-9008-42FA-8A5F-932502CA5C81}" type="datetimeFigureOut">
               <a:rPr lang="zh-CN" altLang="en-US" smtClean="0"/>
-              <a:t>2017/10/27</a:t>
+              <a:t>2017/10/29</a:t>
             </a:fld>
             <a:endParaRPr lang="zh-CN" altLang="en-US"/>
           </a:p>
@@ -881,7 +883,7 @@
           <a:p>
             <a:fld id="{ADD84430-9008-42FA-8A5F-932502CA5C81}" type="datetimeFigureOut">
               <a:rPr lang="zh-CN" altLang="en-US" smtClean="0"/>
-              <a:t>2017/10/27</a:t>
+              <a:t>2017/10/29</a:t>
             </a:fld>
             <a:endParaRPr lang="zh-CN" altLang="en-US"/>
           </a:p>
@@ -1156,7 +1158,7 @@
           <a:p>
             <a:fld id="{ADD84430-9008-42FA-8A5F-932502CA5C81}" type="datetimeFigureOut">
               <a:rPr lang="zh-CN" altLang="en-US" smtClean="0"/>
-              <a:t>2017/10/27</a:t>
+              <a:t>2017/10/29</a:t>
             </a:fld>
             <a:endParaRPr lang="zh-CN" altLang="en-US"/>
           </a:p>
@@ -1421,7 +1423,7 @@
           <a:p>
             <a:fld id="{ADD84430-9008-42FA-8A5F-932502CA5C81}" type="datetimeFigureOut">
               <a:rPr lang="zh-CN" altLang="en-US" smtClean="0"/>
-              <a:t>2017/10/27</a:t>
+              <a:t>2017/10/29</a:t>
             </a:fld>
             <a:endParaRPr lang="zh-CN" altLang="en-US"/>
           </a:p>
@@ -1833,7 +1835,7 @@
           <a:p>
             <a:fld id="{ADD84430-9008-42FA-8A5F-932502CA5C81}" type="datetimeFigureOut">
               <a:rPr lang="zh-CN" altLang="en-US" smtClean="0"/>
-              <a:t>2017/10/27</a:t>
+              <a:t>2017/10/29</a:t>
             </a:fld>
             <a:endParaRPr lang="zh-CN" altLang="en-US"/>
           </a:p>
@@ -1974,7 +1976,7 @@
           <a:p>
             <a:fld id="{ADD84430-9008-42FA-8A5F-932502CA5C81}" type="datetimeFigureOut">
               <a:rPr lang="zh-CN" altLang="en-US" smtClean="0"/>
-              <a:t>2017/10/27</a:t>
+              <a:t>2017/10/29</a:t>
             </a:fld>
             <a:endParaRPr lang="zh-CN" altLang="en-US"/>
           </a:p>
@@ -2087,7 +2089,7 @@
           <a:p>
             <a:fld id="{ADD84430-9008-42FA-8A5F-932502CA5C81}" type="datetimeFigureOut">
               <a:rPr lang="zh-CN" altLang="en-US" smtClean="0"/>
-              <a:t>2017/10/27</a:t>
+              <a:t>2017/10/29</a:t>
             </a:fld>
             <a:endParaRPr lang="zh-CN" altLang="en-US"/>
           </a:p>
@@ -2398,7 +2400,7 @@
           <a:p>
             <a:fld id="{ADD84430-9008-42FA-8A5F-932502CA5C81}" type="datetimeFigureOut">
               <a:rPr lang="zh-CN" altLang="en-US" smtClean="0"/>
-              <a:t>2017/10/27</a:t>
+              <a:t>2017/10/29</a:t>
             </a:fld>
             <a:endParaRPr lang="zh-CN" altLang="en-US"/>
           </a:p>
@@ -2686,7 +2688,7 @@
           <a:p>
             <a:fld id="{ADD84430-9008-42FA-8A5F-932502CA5C81}" type="datetimeFigureOut">
               <a:rPr lang="zh-CN" altLang="en-US" smtClean="0"/>
-              <a:t>2017/10/27</a:t>
+              <a:t>2017/10/29</a:t>
             </a:fld>
             <a:endParaRPr lang="zh-CN" altLang="en-US"/>
           </a:p>
@@ -2927,7 +2929,7 @@
           <a:p>
             <a:fld id="{ADD84430-9008-42FA-8A5F-932502CA5C81}" type="datetimeFigureOut">
               <a:rPr lang="zh-CN" altLang="en-US" smtClean="0"/>
-              <a:t>2017/10/27</a:t>
+              <a:t>2017/10/29</a:t>
             </a:fld>
             <a:endParaRPr lang="zh-CN" altLang="en-US"/>
           </a:p>
@@ -3488,7 +3490,7 @@
           <a:lstStyle/>
           <a:p>
             <a:r>
-              <a:rPr lang="en-US" sz="2800" dirty="0">
+              <a:rPr lang="en-US" sz="2800" b="1" dirty="0">
                 <a:latin typeface="Microsoft YaHei UI Light" panose="020B0502040204020203" pitchFamily="34" charset="-122"/>
                 <a:ea typeface="Microsoft YaHei UI Light" panose="020B0502040204020203" pitchFamily="34" charset="-122"/>
               </a:rPr>
@@ -3748,7 +3750,7 @@
           <a:lstStyle/>
           <a:p>
             <a:r>
-              <a:rPr lang="en-US" sz="2800" dirty="0">
+              <a:rPr lang="en-US" sz="2800" b="1" dirty="0">
                 <a:latin typeface="Microsoft YaHei UI Light" panose="020B0502040204020203" pitchFamily="34" charset="-122"/>
                 <a:ea typeface="Microsoft YaHei UI Light" panose="020B0502040204020203" pitchFamily="34" charset="-122"/>
               </a:rPr>
@@ -3926,11 +3928,144 @@
           <a:lstStyle/>
           <a:p>
             <a:r>
-              <a:rPr lang="en-US" sz="2800" dirty="0">
+              <a:rPr lang="en-US" sz="2800" b="1" dirty="0">
                 <a:latin typeface="Microsoft YaHei UI Light" panose="020B0502040204020203" pitchFamily="34" charset="-122"/>
                 <a:ea typeface="Microsoft YaHei UI Light" panose="020B0502040204020203" pitchFamily="34" charset="-122"/>
               </a:rPr>
               <a:t>Techniques Details</a:t>
+            </a:r>
+          </a:p>
+        </p:txBody>
+      </p:sp>
+      <p:sp>
+        <p:nvSpPr>
+          <p:cNvPr id="4" name="文本框 3">
+            <a:extLst>
+              <a:ext uri="{FF2B5EF4-FFF2-40B4-BE49-F238E27FC236}">
+                <a16:creationId xmlns:a16="http://schemas.microsoft.com/office/drawing/2014/main" id="{2F5B5E38-545C-4D6C-8AAF-A06FA23C8664}"/>
+              </a:ext>
+            </a:extLst>
+          </p:cNvPr>
+          <p:cNvSpPr txBox="1"/>
+          <p:nvPr/>
+        </p:nvSpPr>
+        <p:spPr>
+          <a:xfrm>
+            <a:off x="537556" y="1645921"/>
+            <a:ext cx="7991302" cy="923330"/>
+          </a:xfrm>
+          <a:prstGeom prst="rect">
+            <a:avLst/>
+          </a:prstGeom>
+          <a:noFill/>
+        </p:spPr>
+        <p:txBody>
+          <a:bodyPr wrap="square" rtlCol="0">
+            <a:spAutoFit/>
+          </a:bodyPr>
+          <a:lstStyle/>
+          <a:p>
+            <a:pPr marL="285750" indent="-285750">
+              <a:buFont typeface="Arial" panose="020B0604020202020204" pitchFamily="34" charset="0"/>
+              <a:buChar char="•"/>
+            </a:pPr>
+            <a:r>
+              <a:rPr lang="en-US" b="1" dirty="0">
+                <a:latin typeface="Microsoft YaHei UI Light" panose="020B0502040204020203" pitchFamily="34" charset="-122"/>
+                <a:ea typeface="Microsoft YaHei UI Light" panose="020B0502040204020203" pitchFamily="34" charset="-122"/>
+              </a:rPr>
+              <a:t>Spring</a:t>
+            </a:r>
+          </a:p>
+          <a:p>
+            <a:pPr marL="285750" indent="-285750">
+              <a:buFont typeface="Arial" panose="020B0604020202020204" pitchFamily="34" charset="0"/>
+              <a:buChar char="•"/>
+            </a:pPr>
+            <a:r>
+              <a:rPr lang="en-US" b="1" dirty="0">
+                <a:latin typeface="Microsoft YaHei UI Light" panose="020B0502040204020203" pitchFamily="34" charset="-122"/>
+                <a:ea typeface="Microsoft YaHei UI Light" panose="020B0502040204020203" pitchFamily="34" charset="-122"/>
+              </a:rPr>
+              <a:t>Databases</a:t>
+            </a:r>
+            <a:endParaRPr lang="en-US" dirty="0">
+              <a:latin typeface="Microsoft YaHei UI Light" panose="020B0502040204020203" pitchFamily="34" charset="-122"/>
+              <a:ea typeface="Microsoft YaHei UI Light" panose="020B0502040204020203" pitchFamily="34" charset="-122"/>
+            </a:endParaRPr>
+          </a:p>
+          <a:p>
+            <a:endParaRPr lang="en-US" dirty="0">
+              <a:latin typeface="Microsoft YaHei UI Light" panose="020B0502040204020203" pitchFamily="34" charset="-122"/>
+              <a:ea typeface="Microsoft YaHei UI Light" panose="020B0502040204020203" pitchFamily="34" charset="-122"/>
+            </a:endParaRPr>
+          </a:p>
+        </p:txBody>
+      </p:sp>
+    </p:spTree>
+    <p:extLst>
+      <p:ext uri="{BB962C8B-B14F-4D97-AF65-F5344CB8AC3E}">
+        <p14:creationId xmlns:p14="http://schemas.microsoft.com/office/powerpoint/2010/main" val="3060681589"/>
+      </p:ext>
+    </p:extLst>
+  </p:cSld>
+  <p:clrMapOvr>
+    <a:masterClrMapping/>
+  </p:clrMapOvr>
+</p:sld>
+</file>
+
+<file path=ppt/slides/slide5.xml><?xml version="1.0" encoding="utf-8"?>
+<p:sld xmlns:a="http://schemas.openxmlformats.org/drawingml/2006/main" xmlns:r="http://schemas.openxmlformats.org/officeDocument/2006/relationships" xmlns:p="http://schemas.openxmlformats.org/presentationml/2006/main">
+  <p:cSld>
+    <p:spTree>
+      <p:nvGrpSpPr>
+        <p:cNvPr id="1" name=""/>
+        <p:cNvGrpSpPr/>
+        <p:nvPr/>
+      </p:nvGrpSpPr>
+      <p:grpSpPr>
+        <a:xfrm>
+          <a:off x="0" y="0"/>
+          <a:ext cx="0" cy="0"/>
+          <a:chOff x="0" y="0"/>
+          <a:chExt cx="0" cy="0"/>
+        </a:xfrm>
+      </p:grpSpPr>
+      <p:sp>
+        <p:nvSpPr>
+          <p:cNvPr id="3" name="文本框 2">
+            <a:extLst>
+              <a:ext uri="{FF2B5EF4-FFF2-40B4-BE49-F238E27FC236}">
+                <a16:creationId xmlns:a16="http://schemas.microsoft.com/office/drawing/2014/main" id="{A57C83A9-6AE0-4336-89C3-F4D26F17FDEA}"/>
+              </a:ext>
+            </a:extLst>
+          </p:cNvPr>
+          <p:cNvSpPr txBox="1"/>
+          <p:nvPr/>
+        </p:nvSpPr>
+        <p:spPr>
+          <a:xfrm>
+            <a:off x="426720" y="537556"/>
+            <a:ext cx="8667404" cy="523220"/>
+          </a:xfrm>
+          <a:prstGeom prst="rect">
+            <a:avLst/>
+          </a:prstGeom>
+          <a:noFill/>
+        </p:spPr>
+        <p:txBody>
+          <a:bodyPr wrap="square" rtlCol="0">
+            <a:spAutoFit/>
+          </a:bodyPr>
+          <a:lstStyle/>
+          <a:p>
+            <a:r>
+              <a:rPr lang="en-US" sz="2800" b="1" dirty="0">
+                <a:latin typeface="Microsoft YaHei UI Light" panose="020B0502040204020203" pitchFamily="34" charset="-122"/>
+                <a:ea typeface="Microsoft YaHei UI Light" panose="020B0502040204020203" pitchFamily="34" charset="-122"/>
+              </a:rPr>
+              <a:t>Improvement Room &amp; TODO List</a:t>
             </a:r>
           </a:p>
         </p:txBody>
@@ -3968,11 +4103,11 @@
               <a:buChar char="•"/>
             </a:pPr>
             <a:r>
-              <a:rPr lang="en-US" b="1">
+              <a:rPr lang="en-US" b="1" dirty="0" err="1">
                 <a:latin typeface="Microsoft YaHei UI Light" panose="020B0502040204020203" pitchFamily="34" charset="-122"/>
                 <a:ea typeface="Microsoft YaHei UI Light" panose="020B0502040204020203" pitchFamily="34" charset="-122"/>
               </a:rPr>
-              <a:t>Spring</a:t>
+              <a:t>todo</a:t>
             </a:r>
             <a:endParaRPr lang="en-US" dirty="0">
               <a:latin typeface="Microsoft YaHei UI Light" panose="020B0502040204020203" pitchFamily="34" charset="-122"/>
@@ -3990,7 +4125,127 @@
     </p:spTree>
     <p:extLst>
       <p:ext uri="{BB962C8B-B14F-4D97-AF65-F5344CB8AC3E}">
-        <p14:creationId xmlns:p14="http://schemas.microsoft.com/office/powerpoint/2010/main" val="3060681589"/>
+        <p14:creationId xmlns:p14="http://schemas.microsoft.com/office/powerpoint/2010/main" val="2647857668"/>
+      </p:ext>
+    </p:extLst>
+  </p:cSld>
+  <p:clrMapOvr>
+    <a:masterClrMapping/>
+  </p:clrMapOvr>
+</p:sld>
+</file>
+
+<file path=ppt/slides/slide6.xml><?xml version="1.0" encoding="utf-8"?>
+<p:sld xmlns:a="http://schemas.openxmlformats.org/drawingml/2006/main" xmlns:r="http://schemas.openxmlformats.org/officeDocument/2006/relationships" xmlns:p="http://schemas.openxmlformats.org/presentationml/2006/main">
+  <p:cSld>
+    <p:spTree>
+      <p:nvGrpSpPr>
+        <p:cNvPr id="1" name=""/>
+        <p:cNvGrpSpPr/>
+        <p:nvPr/>
+      </p:nvGrpSpPr>
+      <p:grpSpPr>
+        <a:xfrm>
+          <a:off x="0" y="0"/>
+          <a:ext cx="0" cy="0"/>
+          <a:chOff x="0" y="0"/>
+          <a:chExt cx="0" cy="0"/>
+        </a:xfrm>
+      </p:grpSpPr>
+      <p:sp>
+        <p:nvSpPr>
+          <p:cNvPr id="3" name="文本框 2">
+            <a:extLst>
+              <a:ext uri="{FF2B5EF4-FFF2-40B4-BE49-F238E27FC236}">
+                <a16:creationId xmlns:a16="http://schemas.microsoft.com/office/drawing/2014/main" id="{A57C83A9-6AE0-4336-89C3-F4D26F17FDEA}"/>
+              </a:ext>
+            </a:extLst>
+          </p:cNvPr>
+          <p:cNvSpPr txBox="1"/>
+          <p:nvPr/>
+        </p:nvSpPr>
+        <p:spPr>
+          <a:xfrm>
+            <a:off x="426720" y="537556"/>
+            <a:ext cx="8667404" cy="523220"/>
+          </a:xfrm>
+          <a:prstGeom prst="rect">
+            <a:avLst/>
+          </a:prstGeom>
+          <a:noFill/>
+        </p:spPr>
+        <p:txBody>
+          <a:bodyPr wrap="square" rtlCol="0">
+            <a:spAutoFit/>
+          </a:bodyPr>
+          <a:lstStyle/>
+          <a:p>
+            <a:r>
+              <a:rPr lang="en-US" sz="2800" b="1" dirty="0">
+                <a:latin typeface="Microsoft YaHei UI Light" panose="020B0502040204020203" pitchFamily="34" charset="-122"/>
+                <a:ea typeface="Microsoft YaHei UI Light" panose="020B0502040204020203" pitchFamily="34" charset="-122"/>
+              </a:rPr>
+              <a:t>Q &amp; A</a:t>
+            </a:r>
+          </a:p>
+        </p:txBody>
+      </p:sp>
+      <p:sp>
+        <p:nvSpPr>
+          <p:cNvPr id="4" name="文本框 3">
+            <a:extLst>
+              <a:ext uri="{FF2B5EF4-FFF2-40B4-BE49-F238E27FC236}">
+                <a16:creationId xmlns:a16="http://schemas.microsoft.com/office/drawing/2014/main" id="{2F5B5E38-545C-4D6C-8AAF-A06FA23C8664}"/>
+              </a:ext>
+            </a:extLst>
+          </p:cNvPr>
+          <p:cNvSpPr txBox="1"/>
+          <p:nvPr/>
+        </p:nvSpPr>
+        <p:spPr>
+          <a:xfrm>
+            <a:off x="537556" y="1645921"/>
+            <a:ext cx="7991302" cy="646331"/>
+          </a:xfrm>
+          <a:prstGeom prst="rect">
+            <a:avLst/>
+          </a:prstGeom>
+          <a:noFill/>
+        </p:spPr>
+        <p:txBody>
+          <a:bodyPr wrap="square" rtlCol="0">
+            <a:spAutoFit/>
+          </a:bodyPr>
+          <a:lstStyle/>
+          <a:p>
+            <a:pPr marL="285750" indent="-285750">
+              <a:buFont typeface="Arial" panose="020B0604020202020204" pitchFamily="34" charset="0"/>
+              <a:buChar char="•"/>
+            </a:pPr>
+            <a:r>
+              <a:rPr lang="en-US" b="1" dirty="0" err="1">
+                <a:latin typeface="Microsoft YaHei UI Light" panose="020B0502040204020203" pitchFamily="34" charset="-122"/>
+                <a:ea typeface="Microsoft YaHei UI Light" panose="020B0502040204020203" pitchFamily="34" charset="-122"/>
+              </a:rPr>
+              <a:t>todo</a:t>
+            </a:r>
+            <a:endParaRPr lang="en-US" dirty="0">
+              <a:latin typeface="Microsoft YaHei UI Light" panose="020B0502040204020203" pitchFamily="34" charset="-122"/>
+              <a:ea typeface="Microsoft YaHei UI Light" panose="020B0502040204020203" pitchFamily="34" charset="-122"/>
+            </a:endParaRPr>
+          </a:p>
+          <a:p>
+            <a:endParaRPr lang="en-US" dirty="0">
+              <a:latin typeface="Microsoft YaHei UI Light" panose="020B0502040204020203" pitchFamily="34" charset="-122"/>
+              <a:ea typeface="Microsoft YaHei UI Light" panose="020B0502040204020203" pitchFamily="34" charset="-122"/>
+            </a:endParaRPr>
+          </a:p>
+        </p:txBody>
+      </p:sp>
+    </p:spTree>
+    <p:extLst>
+      <p:ext uri="{BB962C8B-B14F-4D97-AF65-F5344CB8AC3E}">
+        <p14:creationId xmlns:p14="http://schemas.microsoft.com/office/powerpoint/2010/main" val="3827404801"/>
       </p:ext>
     </p:extLst>
   </p:cSld>
